--- a/课程PPT/2 软件测试背景.pptx
+++ b/课程PPT/2 软件测试背景.pptx
@@ -5722,13 +5722,7 @@
               <a:rPr lang="zh-CN" altLang="en-US" sz="2325" b="1" smtClean="0">
                 <a:cs typeface="+mn-cs"/>
               </a:rPr>
-              <a:t>从</a:t>
-            </a:r>
-            <a:r>
-              <a:rPr lang="zh-CN" altLang="en-US" sz="2325" b="1" smtClean="0">
-                <a:cs typeface="+mn-cs"/>
-              </a:rPr>
-              <a:t>手工向</a:t>
+              <a:t>从手工向</a:t>
             </a:r>
             <a:r>
               <a:rPr lang="zh-CN" altLang="en-US" sz="2325" b="1" dirty="0" smtClean="0">
@@ -8573,10 +8567,6 @@
               </a:rPr>
               <a:t>模型</a:t>
             </a:r>
-            <a:endParaRPr lang="zh-CN" altLang="en-US" b="1" dirty="0">
-              <a:latin typeface="黑体" panose="02010609060101010101" pitchFamily="49" charset="-122"/>
-              <a:ea typeface="黑体" panose="02010609060101010101" pitchFamily="49" charset="-122"/>
-            </a:endParaRPr>
           </a:p>
         </p:txBody>
       </p:sp>
@@ -9067,7 +9057,23 @@
             </a:r>
             <a:r>
               <a:rPr lang="zh-CN" altLang="zh-CN" sz="2325" b="1" dirty="0"/>
-              <a:t>将测试集成到整个软件生存周期，开始考虑客户和用户的需求来建立测试目标，</a:t>
+              <a:t>将测试集成到整个</a:t>
+            </a:r>
+            <a:r>
+              <a:rPr lang="zh-CN" altLang="zh-CN" sz="2325" b="1" dirty="0" smtClean="0"/>
+              <a:t>软件</a:t>
+            </a:r>
+            <a:r>
+              <a:rPr lang="zh-CN" altLang="en-US" sz="2325" b="1" dirty="0"/>
+              <a:t>生命</a:t>
+            </a:r>
+            <a:r>
+              <a:rPr lang="zh-CN" altLang="zh-CN" sz="2325" b="1" dirty="0" smtClean="0"/>
+              <a:t>周期</a:t>
+            </a:r>
+            <a:r>
+              <a:rPr lang="zh-CN" altLang="zh-CN" sz="2325" b="1" dirty="0"/>
+              <a:t>，开始考虑客户和用户的需求来建立测试目标，</a:t>
             </a:r>
           </a:p>
           <a:p>
@@ -9975,7 +9981,7 @@
   </a:extraClrSchemeLst>
   <a:extLst>
     <a:ext uri="{05A4C25C-085E-4340-85A3-A5531E510DB2}">
-      <thm15:themeFamily xmlns="" xmlns:thm15="http://schemas.microsoft.com/office/thememl/2012/main" name="Office Theme" id="{62F939B6-93AF-4DB8-9C6B-D6C7DFDC589F}" vid="{4A3C46E8-61CC-4603-A589-7422A47A8E4A}"/>
+      <thm15:themeFamily xmlns:thm15="http://schemas.microsoft.com/office/thememl/2012/main" xmlns="" name="Office Theme" id="{62F939B6-93AF-4DB8-9C6B-D6C7DFDC589F}" vid="{4A3C46E8-61CC-4603-A589-7422A47A8E4A}"/>
     </a:ext>
   </a:extLst>
 </a:theme>
@@ -10263,7 +10269,7 @@
   <a:extraClrSchemeLst/>
   <a:extLst>
     <a:ext uri="{05A4C25C-085E-4340-85A3-A5531E510DB2}">
-      <thm15:themeFamily xmlns="" xmlns:thm15="http://schemas.microsoft.com/office/thememl/2012/main" name="Office Theme" id="{62F939B6-93AF-4DB8-9C6B-D6C7DFDC589F}" vid="{4A3C46E8-61CC-4603-A589-7422A47A8E4A}"/>
+      <thm15:themeFamily xmlns:thm15="http://schemas.microsoft.com/office/thememl/2012/main" xmlns="" name="Office Theme" id="{62F939B6-93AF-4DB8-9C6B-D6C7DFDC589F}" vid="{4A3C46E8-61CC-4603-A589-7422A47A8E4A}"/>
     </a:ext>
   </a:extLst>
 </a:theme>
@@ -10551,7 +10557,7 @@
   <a:extraClrSchemeLst/>
   <a:extLst>
     <a:ext uri="{05A4C25C-085E-4340-85A3-A5531E510DB2}">
-      <thm15:themeFamily xmlns="" xmlns:thm15="http://schemas.microsoft.com/office/thememl/2012/main" name="Office Theme" id="{62F939B6-93AF-4DB8-9C6B-D6C7DFDC589F}" vid="{4A3C46E8-61CC-4603-A589-7422A47A8E4A}"/>
+      <thm15:themeFamily xmlns:thm15="http://schemas.microsoft.com/office/thememl/2012/main" xmlns="" name="Office Theme" id="{62F939B6-93AF-4DB8-9C6B-D6C7DFDC589F}" vid="{4A3C46E8-61CC-4603-A589-7422A47A8E4A}"/>
     </a:ext>
   </a:extLst>
 </a:theme>
